--- a/sesija-28/PPT/Front-End Developer-28.pptx
+++ b/sesija-28/PPT/Front-End Developer-28.pptx
@@ -6,13 +6,16 @@
     <p:sldMasterId id="2147483676" r:id="rId2"/>
   </p:sldMasterIdLst>
   <p:notesMasterIdLst>
-    <p:notesMasterId r:id="rId7"/>
+    <p:notesMasterId r:id="rId10"/>
   </p:notesMasterIdLst>
   <p:sldIdLst>
     <p:sldId id="256" r:id="rId3"/>
     <p:sldId id="257" r:id="rId4"/>
     <p:sldId id="258" r:id="rId5"/>
     <p:sldId id="263" r:id="rId6"/>
+    <p:sldId id="265" r:id="rId7"/>
+    <p:sldId id="266" r:id="rId8"/>
+    <p:sldId id="264" r:id="rId9"/>
   </p:sldIdLst>
   <p:sldSz cx="12192000" cy="6858000"/>
   <p:notesSz cx="6858000" cy="9144000"/>
@@ -120,6 +123,9 @@
             <p14:sldId id="257"/>
             <p14:sldId id="258"/>
             <p14:sldId id="263"/>
+            <p14:sldId id="265"/>
+            <p14:sldId id="266"/>
+            <p14:sldId id="264"/>
           </p14:sldIdLst>
         </p14:section>
       </p14:sectionLst>
@@ -939,6 +945,10 @@
         <a:bodyPr/>
         <a:lstStyle/>
         <a:p>
+          <a:r>
+            <a:rPr lang="en-US" smtClean="0"/>
+            <a:t>Image Gallery</a:t>
+          </a:r>
           <a:endParaRPr lang="en-US"/>
         </a:p>
       </dgm:t>
@@ -946,8 +956,45 @@
     <dgm:pt modelId="{F89418B0-7D47-48D3-A0DD-7DC00E292A1E}" type="parTrans" cxnId="{C78D7D1E-4353-489A-8F01-856C716DDAA5}">
       <dgm:prSet/>
       <dgm:spPr/>
+      <dgm:t>
+        <a:bodyPr/>
+        <a:lstStyle/>
+        <a:p>
+          <a:endParaRPr lang="en-US"/>
+        </a:p>
+      </dgm:t>
     </dgm:pt>
     <dgm:pt modelId="{B8A6BCFB-F597-4971-BF20-6B7B52347AE9}" type="sibTrans" cxnId="{C78D7D1E-4353-489A-8F01-856C716DDAA5}">
+      <dgm:prSet/>
+      <dgm:spPr/>
+      <dgm:t>
+        <a:bodyPr/>
+        <a:lstStyle/>
+        <a:p>
+          <a:endParaRPr lang="en-US"/>
+        </a:p>
+      </dgm:t>
+    </dgm:pt>
+    <dgm:pt modelId="{9E122E4E-CD08-4F29-8ABC-E8827FB9520B}">
+      <dgm:prSet phldrT="[Text]"/>
+      <dgm:spPr/>
+      <dgm:t>
+        <a:bodyPr/>
+        <a:lstStyle/>
+        <a:p>
+          <a:r>
+            <a:rPr lang="en-US" smtClean="0"/>
+            <a:t>Search person - AJAX</a:t>
+          </a:r>
+          <a:endParaRPr lang="en-US"/>
+        </a:p>
+      </dgm:t>
+    </dgm:pt>
+    <dgm:pt modelId="{ACB6CB40-5711-4383-879A-D79F741A2556}" type="parTrans" cxnId="{B840C328-9910-4527-82F2-57BF0AFF48D8}">
+      <dgm:prSet/>
+      <dgm:spPr/>
+    </dgm:pt>
+    <dgm:pt modelId="{4DAE069B-1559-480B-A17F-06EBFD4A497E}" type="sibTrans" cxnId="{B840C328-9910-4527-82F2-57BF0AFF48D8}">
       <dgm:prSet/>
       <dgm:spPr/>
     </dgm:pt>
@@ -1001,9 +1048,11 @@
   </dgm:ptLst>
   <dgm:cxnLst>
     <dgm:cxn modelId="{C5A8E9B4-A897-4242-BCB6-414B02FAC18D}" type="presOf" srcId="{7BA3726F-3900-4FC3-8B1E-5B513F942281}" destId="{AADBD8E6-695F-4FE3-9A02-D807BC812A7C}" srcOrd="0" destOrd="0" presId="urn:microsoft.com/office/officeart/2005/8/layout/vList2"/>
+    <dgm:cxn modelId="{7AB90F08-2F2F-46CB-BC4D-821CE343827D}" type="presOf" srcId="{9E122E4E-CD08-4F29-8ABC-E8827FB9520B}" destId="{AADBD8E6-695F-4FE3-9A02-D807BC812A7C}" srcOrd="0" destOrd="1" presId="urn:microsoft.com/office/officeart/2005/8/layout/vList2"/>
     <dgm:cxn modelId="{FB3F133B-D980-4586-8A93-14087C2AFDB7}" type="presOf" srcId="{01EB205F-FC18-44EF-B4D7-07083A382D6D}" destId="{F4D94EE2-DE87-41D3-8995-9FDA4ED2D4BE}" srcOrd="0" destOrd="0" presId="urn:microsoft.com/office/officeart/2005/8/layout/vList2"/>
     <dgm:cxn modelId="{C78D7D1E-4353-489A-8F01-856C716DDAA5}" srcId="{01EB205F-FC18-44EF-B4D7-07083A382D6D}" destId="{7BA3726F-3900-4FC3-8B1E-5B513F942281}" srcOrd="0" destOrd="0" parTransId="{F89418B0-7D47-48D3-A0DD-7DC00E292A1E}" sibTransId="{B8A6BCFB-F597-4971-BF20-6B7B52347AE9}"/>
     <dgm:cxn modelId="{554D4833-0D13-4D4C-92BF-76D83AECFDE6}" srcId="{4EE1351B-4B79-4D48-8F5E-455F7AD945A8}" destId="{01EB205F-FC18-44EF-B4D7-07083A382D6D}" srcOrd="0" destOrd="0" parTransId="{D4C6F2B3-566C-488E-AC05-F7BDFB6B7331}" sibTransId="{2BF717F9-FCD3-4CE3-A0A5-83D104AFB328}"/>
+    <dgm:cxn modelId="{B840C328-9910-4527-82F2-57BF0AFF48D8}" srcId="{01EB205F-FC18-44EF-B4D7-07083A382D6D}" destId="{9E122E4E-CD08-4F29-8ABC-E8827FB9520B}" srcOrd="1" destOrd="0" parTransId="{ACB6CB40-5711-4383-879A-D79F741A2556}" sibTransId="{4DAE069B-1559-480B-A17F-06EBFD4A497E}"/>
     <dgm:cxn modelId="{9ADF0326-01FB-4790-B759-ACDFB0217796}" type="presOf" srcId="{4EE1351B-4B79-4D48-8F5E-455F7AD945A8}" destId="{AEABCDDF-3180-4C76-A7CB-FC0B6AF0719A}" srcOrd="0" destOrd="0" presId="urn:microsoft.com/office/officeart/2005/8/layout/vList2"/>
     <dgm:cxn modelId="{541BD5B9-51DA-497F-838D-CDA31366E980}" type="presParOf" srcId="{AEABCDDF-3180-4C76-A7CB-FC0B6AF0719A}" destId="{F4D94EE2-DE87-41D3-8995-9FDA4ED2D4BE}" srcOrd="0" destOrd="0" presId="urn:microsoft.com/office/officeart/2005/8/layout/vList2"/>
     <dgm:cxn modelId="{C7801D2E-7067-4E56-86BD-8C707C34363A}" type="presParOf" srcId="{AEABCDDF-3180-4C76-A7CB-FC0B6AF0719A}" destId="{AADBD8E6-695F-4FE3-9A02-D807BC812A7C}" srcOrd="1" destOrd="0" presId="urn:microsoft.com/office/officeart/2005/8/layout/vList2"/>
@@ -1033,7 +1082,7 @@
       </dsp:nvSpPr>
       <dsp:spPr>
         <a:xfrm>
-          <a:off x="0" y="1548347"/>
+          <a:off x="0" y="1245610"/>
           <a:ext cx="8298873" cy="1521000"/>
         </a:xfrm>
         <a:prstGeom prst="roundRect">
@@ -1099,7 +1148,7 @@
         </a:p>
       </dsp:txBody>
       <dsp:txXfrm>
-        <a:off x="74249" y="1622596"/>
+        <a:off x="74249" y="1319859"/>
         <a:ext cx="8150375" cy="1372502"/>
       </dsp:txXfrm>
     </dsp:sp>
@@ -1110,8 +1159,8 @@
       </dsp:nvSpPr>
       <dsp:spPr>
         <a:xfrm>
-          <a:off x="0" y="3069347"/>
-          <a:ext cx="8298873" cy="1076400"/>
+          <a:off x="0" y="2766610"/>
+          <a:ext cx="8298873" cy="1681875"/>
         </a:xfrm>
         <a:prstGeom prst="rect">
           <a:avLst/>
@@ -1152,12 +1201,35 @@
             </a:spcAft>
             <a:buChar char="••"/>
           </a:pPr>
+          <a:r>
+            <a:rPr lang="en-US" sz="5100" kern="1200" smtClean="0"/>
+            <a:t>Image Gallery</a:t>
+          </a:r>
+          <a:endParaRPr lang="en-US" sz="5100" kern="1200"/>
+        </a:p>
+        <a:p>
+          <a:pPr marL="285750" lvl="1" indent="-285750" algn="l" defTabSz="2266950">
+            <a:lnSpc>
+              <a:spcPct val="90000"/>
+            </a:lnSpc>
+            <a:spcBef>
+              <a:spcPct val="0"/>
+            </a:spcBef>
+            <a:spcAft>
+              <a:spcPct val="20000"/>
+            </a:spcAft>
+            <a:buChar char="••"/>
+          </a:pPr>
+          <a:r>
+            <a:rPr lang="en-US" sz="5100" kern="1200" smtClean="0"/>
+            <a:t>Search person - AJAX</a:t>
+          </a:r>
           <a:endParaRPr lang="en-US" sz="5100" kern="1200"/>
         </a:p>
       </dsp:txBody>
       <dsp:txXfrm>
-        <a:off x="0" y="3069347"/>
-        <a:ext cx="8298873" cy="1076400"/>
+        <a:off x="0" y="2766610"/>
+        <a:ext cx="8298873" cy="1681875"/>
       </dsp:txXfrm>
     </dsp:sp>
   </dsp:spTree>
@@ -2447,7 +2519,7 @@
           <a:p>
             <a:fld id="{D32AC403-8EB1-4D4E-8C3A-24BD19820531}" type="datetimeFigureOut">
               <a:rPr lang="en-US" smtClean="0"/>
-              <a:t>13-Mar-18</a:t>
+              <a:t>17-Apr-18</a:t>
             </a:fld>
             <a:endParaRPr lang="en-US"/>
           </a:p>
@@ -3193,7 +3265,7 @@
           <a:p>
             <a:fld id="{B35B300D-7DF5-4E96-8AA6-60E94C6E9F44}" type="datetimeFigureOut">
               <a:rPr lang="sr-Latn-RS" smtClean="0"/>
-              <a:t>13.3.2018.</a:t>
+              <a:t>17.4.2018.</a:t>
             </a:fld>
             <a:endParaRPr lang="sr-Latn-RS"/>
           </a:p>
@@ -3627,7 +3699,7 @@
           <a:p>
             <a:fld id="{B35B300D-7DF5-4E96-8AA6-60E94C6E9F44}" type="datetimeFigureOut">
               <a:rPr lang="sr-Latn-RS" smtClean="0"/>
-              <a:t>13.3.2018.</a:t>
+              <a:t>17.4.2018.</a:t>
             </a:fld>
             <a:endParaRPr lang="sr-Latn-RS"/>
           </a:p>
@@ -4001,7 +4073,7 @@
           <a:p>
             <a:fld id="{B35B300D-7DF5-4E96-8AA6-60E94C6E9F44}" type="datetimeFigureOut">
               <a:rPr lang="sr-Latn-RS" smtClean="0"/>
-              <a:t>13.3.2018.</a:t>
+              <a:t>17.4.2018.</a:t>
             </a:fld>
             <a:endParaRPr lang="sr-Latn-RS"/>
           </a:p>
@@ -4285,7 +4357,7 @@
           <a:p>
             <a:fld id="{B35B300D-7DF5-4E96-8AA6-60E94C6E9F44}" type="datetimeFigureOut">
               <a:rPr lang="sr-Latn-RS" smtClean="0"/>
-              <a:t>13.3.2018.</a:t>
+              <a:t>17.4.2018.</a:t>
             </a:fld>
             <a:endParaRPr lang="sr-Latn-RS"/>
           </a:p>
@@ -4462,7 +4534,7 @@
           <a:p>
             <a:fld id="{B35B300D-7DF5-4E96-8AA6-60E94C6E9F44}" type="datetimeFigureOut">
               <a:rPr lang="sr-Latn-RS" smtClean="0"/>
-              <a:t>13.3.2018.</a:t>
+              <a:t>17.4.2018.</a:t>
             </a:fld>
             <a:endParaRPr lang="sr-Latn-RS"/>
           </a:p>
@@ -4649,7 +4721,7 @@
           <a:p>
             <a:fld id="{B35B300D-7DF5-4E96-8AA6-60E94C6E9F44}" type="datetimeFigureOut">
               <a:rPr lang="sr-Latn-RS" smtClean="0"/>
-              <a:t>13.3.2018.</a:t>
+              <a:t>17.4.2018.</a:t>
             </a:fld>
             <a:endParaRPr lang="sr-Latn-RS"/>
           </a:p>
@@ -4896,7 +4968,7 @@
           <a:p>
             <a:fld id="{B35B300D-7DF5-4E96-8AA6-60E94C6E9F44}" type="datetimeFigureOut">
               <a:rPr lang="sr-Latn-RS" smtClean="0"/>
-              <a:t>13.3.2018.</a:t>
+              <a:t>17.4.2018.</a:t>
             </a:fld>
             <a:endParaRPr lang="sr-Latn-RS"/>
           </a:p>
@@ -5180,7 +5252,7 @@
           <a:p>
             <a:fld id="{B35B300D-7DF5-4E96-8AA6-60E94C6E9F44}" type="datetimeFigureOut">
               <a:rPr lang="sr-Latn-RS" smtClean="0"/>
-              <a:t>13.3.2018.</a:t>
+              <a:t>17.4.2018.</a:t>
             </a:fld>
             <a:endParaRPr lang="sr-Latn-RS"/>
           </a:p>
@@ -7099,7 +7171,7 @@
           <a:p>
             <a:fld id="{B35B300D-7DF5-4E96-8AA6-60E94C6E9F44}" type="datetimeFigureOut">
               <a:rPr lang="sr-Latn-RS" smtClean="0"/>
-              <a:t>13.3.2018.</a:t>
+              <a:t>17.4.2018.</a:t>
             </a:fld>
             <a:endParaRPr lang="sr-Latn-RS"/>
           </a:p>
@@ -7533,15 +7605,7 @@
             </a:br>
             <a:r>
               <a:rPr lang="en-US" b="1" smtClean="0"/>
-              <a:t>28 </a:t>
-            </a:r>
-            <a:r>
-              <a:rPr lang="en-US" b="1" smtClean="0"/>
-              <a:t>– </a:t>
-            </a:r>
-            <a:r>
-              <a:rPr lang="en-US" b="1" smtClean="0"/>
-              <a:t>18.04.2018</a:t>
+              <a:t>28 – 18.04.2018</a:t>
             </a:r>
             <a:endParaRPr lang="en-US"/>
           </a:p>
@@ -7670,7 +7734,7 @@
           <p:nvPr>
             <p:extLst>
               <p:ext uri="{D42A27DB-BD31-4B8C-83A1-F6EECF244321}">
-                <p14:modId xmlns:p14="http://schemas.microsoft.com/office/powerpoint/2010/main" val="571710413"/>
+                <p14:modId xmlns:p14="http://schemas.microsoft.com/office/powerpoint/2010/main" val="3908393874"/>
               </p:ext>
             </p:extLst>
           </p:nvPr>
@@ -7795,6 +7859,27 @@
           <a:lstStyle/>
           <a:p>
             <a:pPr lvl="1"/>
+            <a:r>
+              <a:rPr lang="en-US" smtClean="0"/>
+              <a:t>AJAX</a:t>
+            </a:r>
+          </a:p>
+          <a:p>
+            <a:pPr lvl="1"/>
+            <a:r>
+              <a:rPr lang="en-US" smtClean="0"/>
+              <a:t>XmlHttpRequest</a:t>
+            </a:r>
+          </a:p>
+          <a:p>
+            <a:pPr lvl="1"/>
+            <a:r>
+              <a:rPr lang="en-US" smtClean="0"/>
+              <a:t>Primer sa proslog casa</a:t>
+            </a:r>
+          </a:p>
+          <a:p>
+            <a:pPr lvl="1"/>
             <a:endParaRPr lang="en-US" smtClean="0"/>
           </a:p>
         </p:txBody>
@@ -7890,15 +7975,10 @@
             <a:spLocks noGrp="1"/>
           </p:cNvSpPr>
           <p:nvPr>
-            <p:ph type="body" sz="quarter" idx="4294967295"/>
+            <p:ph type="body" sz="quarter" idx="11"/>
           </p:nvPr>
         </p:nvSpPr>
-        <p:spPr>
-          <a:xfrm>
-            <a:off x="7368309" y="3196013"/>
-            <a:ext cx="4699000" cy="1930400"/>
-          </a:xfrm>
-        </p:spPr>
+        <p:spPr/>
         <p:txBody>
           <a:bodyPr/>
           <a:lstStyle/>
@@ -7906,7 +7986,7 @@
             <a:pPr lvl="0"/>
             <a:r>
               <a:rPr lang="en-US" sz="4000" smtClean="0"/>
-              <a:t>text</a:t>
+              <a:t>Coding challenges</a:t>
             </a:r>
             <a:endParaRPr lang="en-US" sz="4000"/>
           </a:p>
@@ -7929,6 +8009,328 @@
       </p:par>
     </p:tnLst>
   </p:timing>
+</p:sld>
+</file>
+
+<file path=ppt/slides/slide5.xml><?xml version="1.0" encoding="utf-8"?>
+<p:sld xmlns:a="http://schemas.openxmlformats.org/drawingml/2006/main" xmlns:r="http://schemas.openxmlformats.org/officeDocument/2006/relationships" xmlns:p="http://schemas.openxmlformats.org/presentationml/2006/main">
+  <p:cSld>
+    <p:spTree>
+      <p:nvGrpSpPr>
+        <p:cNvPr id="1" name=""/>
+        <p:cNvGrpSpPr/>
+        <p:nvPr/>
+      </p:nvGrpSpPr>
+      <p:grpSpPr>
+        <a:xfrm>
+          <a:off x="0" y="0"/>
+          <a:ext cx="0" cy="0"/>
+          <a:chOff x="0" y="0"/>
+          <a:chExt cx="0" cy="0"/>
+        </a:xfrm>
+      </p:grpSpPr>
+      <p:sp>
+        <p:nvSpPr>
+          <p:cNvPr id="2" name="Title 1"/>
+          <p:cNvSpPr>
+            <a:spLocks noGrp="1"/>
+          </p:cNvSpPr>
+          <p:nvPr>
+            <p:ph type="title"/>
+          </p:nvPr>
+        </p:nvSpPr>
+        <p:spPr/>
+        <p:txBody>
+          <a:bodyPr/>
+          <a:lstStyle/>
+          <a:p>
+            <a:r>
+              <a:rPr lang="en-US" smtClean="0"/>
+              <a:t>AJAX – search persons</a:t>
+            </a:r>
+            <a:endParaRPr lang="sr-Latn-RS"/>
+          </a:p>
+        </p:txBody>
+      </p:sp>
+      <p:sp>
+        <p:nvSpPr>
+          <p:cNvPr id="3" name="Content Placeholder 2"/>
+          <p:cNvSpPr>
+            <a:spLocks noGrp="1"/>
+          </p:cNvSpPr>
+          <p:nvPr>
+            <p:ph sz="quarter" idx="10"/>
+          </p:nvPr>
+        </p:nvSpPr>
+        <p:spPr/>
+        <p:txBody>
+          <a:bodyPr/>
+          <a:lstStyle/>
+          <a:p>
+            <a:r>
+              <a:rPr lang="en-US" smtClean="0"/>
+              <a:t>Zadatak za proslog casa</a:t>
+            </a:r>
+          </a:p>
+          <a:p>
+            <a:r>
+              <a:rPr lang="en-US"/>
+              <a:t>Pagination: </a:t>
+            </a:r>
+            <a:r>
+              <a:rPr lang="en-US">
+                <a:hlinkClick r:id="rId2"/>
+              </a:rPr>
+              <a:t>https</a:t>
+            </a:r>
+            <a:r>
+              <a:rPr lang="en-US">
+                <a:hlinkClick r:id="rId2"/>
+              </a:rPr>
+              <a:t>://</a:t>
+            </a:r>
+            <a:r>
+              <a:rPr lang="en-US" smtClean="0">
+                <a:hlinkClick r:id="rId2"/>
+              </a:rPr>
+              <a:t>www.w3schools.com/howto/howto_css_pagination.asp</a:t>
+            </a:r>
+            <a:endParaRPr lang="en-US" smtClean="0"/>
+          </a:p>
+          <a:p>
+            <a:r>
+              <a:rPr lang="en-US" smtClean="0"/>
+              <a:t>Dobrovoljac?</a:t>
+            </a:r>
+            <a:endParaRPr lang="sr-Latn-RS"/>
+          </a:p>
+        </p:txBody>
+      </p:sp>
+    </p:spTree>
+    <p:extLst>
+      <p:ext uri="{BB962C8B-B14F-4D97-AF65-F5344CB8AC3E}">
+        <p14:creationId xmlns:p14="http://schemas.microsoft.com/office/powerpoint/2010/main" val="1702559737"/>
+      </p:ext>
+    </p:extLst>
+  </p:cSld>
+  <p:clrMapOvr>
+    <a:masterClrMapping/>
+  </p:clrMapOvr>
+</p:sld>
+</file>
+
+<file path=ppt/slides/slide6.xml><?xml version="1.0" encoding="utf-8"?>
+<p:sld xmlns:a="http://schemas.openxmlformats.org/drawingml/2006/main" xmlns:r="http://schemas.openxmlformats.org/officeDocument/2006/relationships" xmlns:p="http://schemas.openxmlformats.org/presentationml/2006/main">
+  <p:cSld>
+    <p:spTree>
+      <p:nvGrpSpPr>
+        <p:cNvPr id="1" name=""/>
+        <p:cNvGrpSpPr/>
+        <p:nvPr/>
+      </p:nvGrpSpPr>
+      <p:grpSpPr>
+        <a:xfrm>
+          <a:off x="0" y="0"/>
+          <a:ext cx="0" cy="0"/>
+          <a:chOff x="0" y="0"/>
+          <a:chExt cx="0" cy="0"/>
+        </a:xfrm>
+      </p:grpSpPr>
+      <p:sp>
+        <p:nvSpPr>
+          <p:cNvPr id="2" name="Title 1"/>
+          <p:cNvSpPr>
+            <a:spLocks noGrp="1"/>
+          </p:cNvSpPr>
+          <p:nvPr>
+            <p:ph type="title"/>
+          </p:nvPr>
+        </p:nvSpPr>
+        <p:spPr/>
+        <p:txBody>
+          <a:bodyPr/>
+          <a:lstStyle/>
+          <a:p>
+            <a:r>
+              <a:rPr lang="en-US" smtClean="0"/>
+              <a:t>Shopping list</a:t>
+            </a:r>
+            <a:endParaRPr lang="sr-Latn-RS"/>
+          </a:p>
+        </p:txBody>
+      </p:sp>
+      <p:pic>
+        <p:nvPicPr>
+          <p:cNvPr id="4" name="Content Placeholder 3"/>
+          <p:cNvPicPr>
+            <a:picLocks noGrp="1" noChangeAspect="1"/>
+          </p:cNvPicPr>
+          <p:nvPr>
+            <p:ph sz="quarter" idx="10"/>
+          </p:nvPr>
+        </p:nvPicPr>
+        <p:blipFill>
+          <a:blip r:embed="rId2"/>
+          <a:stretch>
+            <a:fillRect/>
+          </a:stretch>
+        </p:blipFill>
+        <p:spPr>
+          <a:xfrm>
+            <a:off x="609480" y="1362111"/>
+            <a:ext cx="5774985" cy="2068444"/>
+          </a:xfrm>
+          <a:prstGeom prst="rect">
+            <a:avLst/>
+          </a:prstGeom>
+        </p:spPr>
+      </p:pic>
+      <p:pic>
+        <p:nvPicPr>
+          <p:cNvPr id="5" name="Picture 4"/>
+          <p:cNvPicPr>
+            <a:picLocks noChangeAspect="1"/>
+          </p:cNvPicPr>
+          <p:nvPr/>
+        </p:nvPicPr>
+        <p:blipFill>
+          <a:blip r:embed="rId3"/>
+          <a:stretch>
+            <a:fillRect/>
+          </a:stretch>
+        </p:blipFill>
+        <p:spPr>
+          <a:xfrm>
+            <a:off x="609480" y="3284035"/>
+            <a:ext cx="5089842" cy="2655037"/>
+          </a:xfrm>
+          <a:prstGeom prst="rect">
+            <a:avLst/>
+          </a:prstGeom>
+        </p:spPr>
+      </p:pic>
+      <p:pic>
+        <p:nvPicPr>
+          <p:cNvPr id="6" name="Picture 5"/>
+          <p:cNvPicPr>
+            <a:picLocks noChangeAspect="1"/>
+          </p:cNvPicPr>
+          <p:nvPr/>
+        </p:nvPicPr>
+        <p:blipFill>
+          <a:blip r:embed="rId4"/>
+          <a:stretch>
+            <a:fillRect/>
+          </a:stretch>
+        </p:blipFill>
+        <p:spPr>
+          <a:xfrm>
+            <a:off x="6462926" y="2048619"/>
+            <a:ext cx="5118994" cy="2470831"/>
+          </a:xfrm>
+          <a:prstGeom prst="rect">
+            <a:avLst/>
+          </a:prstGeom>
+        </p:spPr>
+      </p:pic>
+    </p:spTree>
+    <p:extLst>
+      <p:ext uri="{BB962C8B-B14F-4D97-AF65-F5344CB8AC3E}">
+        <p14:creationId xmlns:p14="http://schemas.microsoft.com/office/powerpoint/2010/main" val="3229118524"/>
+      </p:ext>
+    </p:extLst>
+  </p:cSld>
+  <p:clrMapOvr>
+    <a:masterClrMapping/>
+  </p:clrMapOvr>
+</p:sld>
+</file>
+
+<file path=ppt/slides/slide7.xml><?xml version="1.0" encoding="utf-8"?>
+<p:sld xmlns:a="http://schemas.openxmlformats.org/drawingml/2006/main" xmlns:r="http://schemas.openxmlformats.org/officeDocument/2006/relationships" xmlns:p="http://schemas.openxmlformats.org/presentationml/2006/main">
+  <p:cSld>
+    <p:spTree>
+      <p:nvGrpSpPr>
+        <p:cNvPr id="1" name=""/>
+        <p:cNvGrpSpPr/>
+        <p:nvPr/>
+      </p:nvGrpSpPr>
+      <p:grpSpPr>
+        <a:xfrm>
+          <a:off x="0" y="0"/>
+          <a:ext cx="0" cy="0"/>
+          <a:chOff x="0" y="0"/>
+          <a:chExt cx="0" cy="0"/>
+        </a:xfrm>
+      </p:grpSpPr>
+      <p:sp>
+        <p:nvSpPr>
+          <p:cNvPr id="4" name="Title 3"/>
+          <p:cNvSpPr>
+            <a:spLocks noGrp="1"/>
+          </p:cNvSpPr>
+          <p:nvPr>
+            <p:ph type="title"/>
+          </p:nvPr>
+        </p:nvSpPr>
+        <p:spPr/>
+        <p:txBody>
+          <a:bodyPr/>
+          <a:lstStyle/>
+          <a:p>
+            <a:r>
+              <a:rPr lang="sr-Latn-RS" b="1"/>
+              <a:t>Image </a:t>
+            </a:r>
+            <a:r>
+              <a:rPr lang="sr-Latn-RS" b="1" smtClean="0"/>
+              <a:t>gallery</a:t>
+            </a:r>
+            <a:r>
+              <a:rPr lang="en-US" b="1"/>
+              <a:t>	</a:t>
+            </a:r>
+            <a:endParaRPr lang="sr-Latn-RS"/>
+          </a:p>
+        </p:txBody>
+      </p:sp>
+      <p:sp>
+        <p:nvSpPr>
+          <p:cNvPr id="5" name="Content Placeholder 4"/>
+          <p:cNvSpPr>
+            <a:spLocks noGrp="1"/>
+          </p:cNvSpPr>
+          <p:nvPr>
+            <p:ph sz="quarter" idx="10"/>
+          </p:nvPr>
+        </p:nvSpPr>
+        <p:spPr>
+          <a:xfrm>
+            <a:off x="609600" y="2051050"/>
+            <a:ext cx="11393510" cy="3328988"/>
+          </a:xfrm>
+        </p:spPr>
+        <p:txBody>
+          <a:bodyPr/>
+          <a:lstStyle/>
+          <a:p>
+            <a:r>
+              <a:rPr lang="sr-Latn-RS"/>
+              <a:t>https://developer.mozilla.org/en-US/docs/Learn/JavaScript/Building_blocks/Image_gallery</a:t>
+            </a:r>
+          </a:p>
+        </p:txBody>
+      </p:sp>
+    </p:spTree>
+    <p:extLst>
+      <p:ext uri="{BB962C8B-B14F-4D97-AF65-F5344CB8AC3E}">
+        <p14:creationId xmlns:p14="http://schemas.microsoft.com/office/powerpoint/2010/main" val="1030308712"/>
+      </p:ext>
+    </p:extLst>
+  </p:cSld>
+  <p:clrMapOvr>
+    <a:masterClrMapping/>
+  </p:clrMapOvr>
 </p:sld>
 </file>
 
